--- a/summary.pptx
+++ b/summary.pptx
@@ -7,10 +7,9 @@
   <p:sldIdLst>
     <p:sldId id="259" r:id="rId2"/>
     <p:sldId id="257" r:id="rId3"/>
-    <p:sldId id="258" r:id="rId4"/>
-    <p:sldId id="260" r:id="rId5"/>
-    <p:sldId id="261" r:id="rId6"/>
-    <p:sldId id="262" r:id="rId7"/>
+    <p:sldId id="260" r:id="rId4"/>
+    <p:sldId id="261" r:id="rId5"/>
+    <p:sldId id="262" r:id="rId6"/>
   </p:sldIdLst>
   <p:sldSz cx="12192000" cy="6858000"/>
   <p:notesSz cx="6858000" cy="9144000"/>
@@ -266,7 +265,7 @@
           <a:p>
             <a:fld id="{DA74457B-93C9-6D4E-9AA6-850DC86303B0}" type="datetimeFigureOut">
               <a:rPr lang="en-IE" smtClean="0"/>
-              <a:t>15/10/2024</a:t>
+              <a:t>24/10/2024</a:t>
             </a:fld>
             <a:endParaRPr lang="en-IE"/>
           </a:p>
@@ -466,7 +465,7 @@
           <a:p>
             <a:fld id="{DA74457B-93C9-6D4E-9AA6-850DC86303B0}" type="datetimeFigureOut">
               <a:rPr lang="en-IE" smtClean="0"/>
-              <a:t>15/10/2024</a:t>
+              <a:t>24/10/2024</a:t>
             </a:fld>
             <a:endParaRPr lang="en-IE"/>
           </a:p>
@@ -676,7 +675,7 @@
           <a:p>
             <a:fld id="{DA74457B-93C9-6D4E-9AA6-850DC86303B0}" type="datetimeFigureOut">
               <a:rPr lang="en-IE" smtClean="0"/>
-              <a:t>15/10/2024</a:t>
+              <a:t>24/10/2024</a:t>
             </a:fld>
             <a:endParaRPr lang="en-IE"/>
           </a:p>
@@ -876,7 +875,7 @@
           <a:p>
             <a:fld id="{DA74457B-93C9-6D4E-9AA6-850DC86303B0}" type="datetimeFigureOut">
               <a:rPr lang="en-IE" smtClean="0"/>
-              <a:t>15/10/2024</a:t>
+              <a:t>24/10/2024</a:t>
             </a:fld>
             <a:endParaRPr lang="en-IE"/>
           </a:p>
@@ -1152,7 +1151,7 @@
           <a:p>
             <a:fld id="{DA74457B-93C9-6D4E-9AA6-850DC86303B0}" type="datetimeFigureOut">
               <a:rPr lang="en-IE" smtClean="0"/>
-              <a:t>15/10/2024</a:t>
+              <a:t>24/10/2024</a:t>
             </a:fld>
             <a:endParaRPr lang="en-IE"/>
           </a:p>
@@ -1420,7 +1419,7 @@
           <a:p>
             <a:fld id="{DA74457B-93C9-6D4E-9AA6-850DC86303B0}" type="datetimeFigureOut">
               <a:rPr lang="en-IE" smtClean="0"/>
-              <a:t>15/10/2024</a:t>
+              <a:t>24/10/2024</a:t>
             </a:fld>
             <a:endParaRPr lang="en-IE"/>
           </a:p>
@@ -1835,7 +1834,7 @@
           <a:p>
             <a:fld id="{DA74457B-93C9-6D4E-9AA6-850DC86303B0}" type="datetimeFigureOut">
               <a:rPr lang="en-IE" smtClean="0"/>
-              <a:t>15/10/2024</a:t>
+              <a:t>24/10/2024</a:t>
             </a:fld>
             <a:endParaRPr lang="en-IE"/>
           </a:p>
@@ -1977,7 +1976,7 @@
           <a:p>
             <a:fld id="{DA74457B-93C9-6D4E-9AA6-850DC86303B0}" type="datetimeFigureOut">
               <a:rPr lang="en-IE" smtClean="0"/>
-              <a:t>15/10/2024</a:t>
+              <a:t>24/10/2024</a:t>
             </a:fld>
             <a:endParaRPr lang="en-IE"/>
           </a:p>
@@ -2090,7 +2089,7 @@
           <a:p>
             <a:fld id="{DA74457B-93C9-6D4E-9AA6-850DC86303B0}" type="datetimeFigureOut">
               <a:rPr lang="en-IE" smtClean="0"/>
-              <a:t>15/10/2024</a:t>
+              <a:t>24/10/2024</a:t>
             </a:fld>
             <a:endParaRPr lang="en-IE"/>
           </a:p>
@@ -2403,7 +2402,7 @@
           <a:p>
             <a:fld id="{DA74457B-93C9-6D4E-9AA6-850DC86303B0}" type="datetimeFigureOut">
               <a:rPr lang="en-IE" smtClean="0"/>
-              <a:t>15/10/2024</a:t>
+              <a:t>24/10/2024</a:t>
             </a:fld>
             <a:endParaRPr lang="en-IE"/>
           </a:p>
@@ -2692,7 +2691,7 @@
           <a:p>
             <a:fld id="{DA74457B-93C9-6D4E-9AA6-850DC86303B0}" type="datetimeFigureOut">
               <a:rPr lang="en-IE" smtClean="0"/>
-              <a:t>15/10/2024</a:t>
+              <a:t>24/10/2024</a:t>
             </a:fld>
             <a:endParaRPr lang="en-IE"/>
           </a:p>
@@ -2935,7 +2934,7 @@
           <a:p>
             <a:fld id="{DA74457B-93C9-6D4E-9AA6-850DC86303B0}" type="datetimeFigureOut">
               <a:rPr lang="en-IE" smtClean="0"/>
-              <a:t>15/10/2024</a:t>
+              <a:t>24/10/2024</a:t>
             </a:fld>
             <a:endParaRPr lang="en-IE"/>
           </a:p>
@@ -3666,10 +3665,10 @@
       </p:sp>
       <p:pic>
         <p:nvPicPr>
-          <p:cNvPr id="7" name="Picture 6">
+          <p:cNvPr id="6" name="Picture 5">
             <a:extLst>
               <a:ext uri="{FF2B5EF4-FFF2-40B4-BE49-F238E27FC236}">
-                <a16:creationId xmlns:a16="http://schemas.microsoft.com/office/drawing/2014/main" id="{084678E9-CB37-7706-B639-8BAB1176CBB3}"/>
+                <a16:creationId xmlns:a16="http://schemas.microsoft.com/office/drawing/2014/main" id="{A4653448-C42D-ED29-1329-025397BFD0D1}"/>
               </a:ext>
             </a:extLst>
           </p:cNvPr>
@@ -3686,8 +3685,8 @@
         </p:blipFill>
         <p:spPr>
           <a:xfrm>
-            <a:off x="2715208" y="-167909"/>
-            <a:ext cx="9523447" cy="9523447"/>
+            <a:off x="2724339" y="-149925"/>
+            <a:ext cx="9467661" cy="9467661"/>
           </a:xfrm>
           <a:prstGeom prst="rect">
             <a:avLst/>
@@ -3918,7 +3917,7 @@
               <a:buNone/>
             </a:pPr>
             <a:r>
-              <a:rPr lang="en-IE" sz="3000" dirty="0">
+              <a:rPr lang="en-IE" sz="2400" dirty="0">
                 <a:latin typeface="Arial" panose="020B0604020202020204" pitchFamily="34" charset="0"/>
                 <a:cs typeface="Arial" panose="020B0604020202020204" pitchFamily="34" charset="0"/>
               </a:rPr>
@@ -3929,7 +3928,43 @@
             <a:pPr marL="0" indent="0">
               <a:buNone/>
             </a:pPr>
-            <a:endParaRPr lang="en-IE" sz="3000" dirty="0">
+            <a:r>
+              <a:rPr lang="en-IE" sz="2400" dirty="0">
+                <a:latin typeface="Arial" panose="020B0604020202020204" pitchFamily="34" charset="0"/>
+                <a:cs typeface="Arial" panose="020B0604020202020204" pitchFamily="34" charset="0"/>
+              </a:rPr>
+              <a:t>Least correlated (r&lt;0.24) =&gt; needed less at managerial stage</a:t>
+            </a:r>
+          </a:p>
+          <a:p>
+            <a:pPr marL="0" indent="0">
+              <a:buNone/>
+            </a:pPr>
+            <a:r>
+              <a:rPr lang="en-IE" sz="2400" dirty="0">
+                <a:latin typeface="Arial" panose="020B0604020202020204" pitchFamily="34" charset="0"/>
+                <a:cs typeface="Arial" panose="020B0604020202020204" pitchFamily="34" charset="0"/>
+              </a:rPr>
+              <a:t>	B3 = Prepare life science data for computational analysis</a:t>
+            </a:r>
+          </a:p>
+          <a:p>
+            <a:pPr marL="0" indent="0">
+              <a:buNone/>
+            </a:pPr>
+            <a:r>
+              <a:rPr lang="en-IE" sz="2400" dirty="0">
+                <a:latin typeface="Arial" panose="020B0604020202020204" pitchFamily="34" charset="0"/>
+                <a:cs typeface="Arial" panose="020B0604020202020204" pitchFamily="34" charset="0"/>
+              </a:rPr>
+              <a:t>     	H3 = Make appropriate and efficient use of scripting &amp; programming languages</a:t>
+            </a:r>
+          </a:p>
+          <a:p>
+            <a:pPr marL="0" indent="0">
+              <a:buNone/>
+            </a:pPr>
+            <a:endParaRPr lang="en-IE" sz="2400" dirty="0">
               <a:latin typeface="Arial" panose="020B0604020202020204" pitchFamily="34" charset="0"/>
               <a:cs typeface="Arial" panose="020B0604020202020204" pitchFamily="34" charset="0"/>
             </a:endParaRPr>
@@ -3939,54 +3974,81 @@
               <a:buNone/>
             </a:pPr>
             <a:r>
-              <a:rPr lang="en-IE" sz="3000" dirty="0">
-                <a:latin typeface="Arial" panose="020B0604020202020204" pitchFamily="34" charset="0"/>
-                <a:cs typeface="Arial" panose="020B0604020202020204" pitchFamily="34" charset="0"/>
-              </a:rPr>
-              <a:t>Assess those with high (r&gt;0.2) or low (r&lt;0.42) association</a:t>
-            </a:r>
-          </a:p>
-          <a:p>
-            <a:pPr marL="0" indent="0">
-              <a:buNone/>
-            </a:pPr>
-            <a:endParaRPr lang="en-IE" sz="3000" dirty="0">
-              <a:latin typeface="Arial" panose="020B0604020202020204" pitchFamily="34" charset="0"/>
-              <a:cs typeface="Arial" panose="020B0604020202020204" pitchFamily="34" charset="0"/>
-            </a:endParaRPr>
-          </a:p>
-          <a:p>
-            <a:pPr marL="0" indent="0">
-              <a:buNone/>
-            </a:pPr>
-            <a:r>
-              <a:rPr lang="en-IE" sz="3200" dirty="0">
-                <a:latin typeface="Arial" panose="020B0604020202020204" pitchFamily="34" charset="0"/>
-                <a:cs typeface="Arial" panose="020B0604020202020204" pitchFamily="34" charset="0"/>
-              </a:rPr>
-              <a:t>Least correlated =&gt; needed less at managerial stage</a:t>
-            </a:r>
-          </a:p>
-          <a:p>
-            <a:pPr marL="0" indent="0">
-              <a:buNone/>
-            </a:pPr>
-            <a:endParaRPr lang="en-IE" sz="3200" dirty="0">
-              <a:latin typeface="Arial" panose="020B0604020202020204" pitchFamily="34" charset="0"/>
-              <a:cs typeface="Arial" panose="020B0604020202020204" pitchFamily="34" charset="0"/>
-            </a:endParaRPr>
-          </a:p>
-          <a:p>
-            <a:pPr marL="0" indent="0">
-              <a:buNone/>
-            </a:pPr>
-            <a:r>
-              <a:rPr lang="en-IE" sz="3200" dirty="0">
+              <a:rPr lang="en-IE" sz="2400" dirty="0">
                 <a:latin typeface="Arial" panose="020B0604020202020204" pitchFamily="34" charset="0"/>
                 <a:cs typeface="Arial" panose="020B0604020202020204" pitchFamily="34" charset="0"/>
               </a:rPr>
               <a:t>More correlated =&gt; career stage progress </a:t>
             </a:r>
+          </a:p>
+          <a:p>
+            <a:pPr marL="0" indent="0">
+              <a:buNone/>
+            </a:pPr>
+            <a:r>
+              <a:rPr lang="en-IE" sz="2400" dirty="0">
+                <a:latin typeface="Arial" panose="020B0604020202020204" pitchFamily="34" charset="0"/>
+                <a:cs typeface="Arial" panose="020B0604020202020204" pitchFamily="34" charset="0"/>
+              </a:rPr>
+              <a:t>Q1 – New Collaborator engagement</a:t>
+            </a:r>
+          </a:p>
+          <a:p>
+            <a:pPr marL="0" indent="0">
+              <a:buNone/>
+            </a:pPr>
+            <a:r>
+              <a:rPr lang="en-IE" sz="2400" dirty="0">
+                <a:latin typeface="Arial" panose="020B0604020202020204" pitchFamily="34" charset="0"/>
+                <a:cs typeface="Arial" panose="020B0604020202020204" pitchFamily="34" charset="0"/>
+              </a:rPr>
+              <a:t>K3 - Communicate meaningfully with a range of audiences - within and …</a:t>
+            </a:r>
+          </a:p>
+          <a:p>
+            <a:pPr marL="0" indent="0">
+              <a:buNone/>
+            </a:pPr>
+            <a:r>
+              <a:rPr lang="en-IE" sz="2400" dirty="0">
+                <a:latin typeface="Arial" panose="020B0604020202020204" pitchFamily="34" charset="0"/>
+                <a:cs typeface="Arial" panose="020B0604020202020204" pitchFamily="34" charset="0"/>
+              </a:rPr>
+              <a:t>S1 - New Leadership </a:t>
+            </a:r>
+          </a:p>
+          <a:p>
+            <a:pPr marL="0" indent="0">
+              <a:buNone/>
+            </a:pPr>
+            <a:r>
+              <a:rPr lang="en-IE" sz="2400" dirty="0">
+                <a:latin typeface="Arial" panose="020B0604020202020204" pitchFamily="34" charset="0"/>
+                <a:cs typeface="Arial" panose="020B0604020202020204" pitchFamily="34" charset="0"/>
+              </a:rPr>
+              <a:t>O1 - New Project management</a:t>
+            </a:r>
+          </a:p>
+          <a:p>
+            <a:pPr marL="0" indent="0">
+              <a:buNone/>
+            </a:pPr>
+            <a:r>
+              <a:rPr lang="en-IE" sz="2400" dirty="0">
+                <a:latin typeface="Arial" panose="020B0604020202020204" pitchFamily="34" charset="0"/>
+                <a:cs typeface="Arial" panose="020B0604020202020204" pitchFamily="34" charset="0"/>
+              </a:rPr>
+              <a:t>P1 - New People management focusing on staff</a:t>
+            </a:r>
+          </a:p>
+          <a:p>
+            <a:pPr marL="0" indent="0">
+              <a:buNone/>
+            </a:pPr>
+            <a:endParaRPr lang="en-IE" sz="2400" dirty="0">
+              <a:latin typeface="Arial" panose="020B0604020202020204" pitchFamily="34" charset="0"/>
+              <a:cs typeface="Arial" panose="020B0604020202020204" pitchFamily="34" charset="0"/>
+            </a:endParaRPr>
           </a:p>
         </p:txBody>
       </p:sp>
@@ -3994,667 +4056,6 @@
     <p:extLst>
       <p:ext uri="{BB962C8B-B14F-4D97-AF65-F5344CB8AC3E}">
         <p14:creationId xmlns:p14="http://schemas.microsoft.com/office/powerpoint/2010/main" val="2843672387"/>
-      </p:ext>
-    </p:extLst>
-  </p:cSld>
-  <p:clrMapOvr>
-    <a:masterClrMapping/>
-  </p:clrMapOvr>
-  <p:timing>
-    <p:tnLst>
-      <p:par>
-        <p:cTn id="1" dur="indefinite" restart="never" nodeType="tmRoot">
-          <p:childTnLst>
-            <p:seq concurrent="1" nextAc="seek">
-              <p:cTn id="2" dur="indefinite" nodeType="mainSeq">
-                <p:childTnLst>
-                  <p:par>
-                    <p:cTn id="3" fill="hold">
-                      <p:stCondLst>
-                        <p:cond delay="indefinite"/>
-                      </p:stCondLst>
-                      <p:childTnLst>
-                        <p:par>
-                          <p:cTn id="4" fill="hold">
-                            <p:stCondLst>
-                              <p:cond delay="0"/>
-                            </p:stCondLst>
-                            <p:childTnLst>
-                              <p:par>
-                                <p:cTn id="5" presetID="9" presetClass="entr" presetSubtype="0" fill="hold" grpId="0" nodeType="clickEffect">
-                                  <p:stCondLst>
-                                    <p:cond delay="0"/>
-                                  </p:stCondLst>
-                                  <p:childTnLst>
-                                    <p:set>
-                                      <p:cBhvr>
-                                        <p:cTn id="6" dur="1" fill="hold">
-                                          <p:stCondLst>
-                                            <p:cond delay="0"/>
-                                          </p:stCondLst>
-                                        </p:cTn>
-                                        <p:tgtEl>
-                                          <p:spTgt spid="3">
-                                            <p:txEl>
-                                              <p:pRg st="0" end="0"/>
-                                            </p:txEl>
-                                          </p:spTgt>
-                                        </p:tgtEl>
-                                        <p:attrNameLst>
-                                          <p:attrName>style.visibility</p:attrName>
-                                        </p:attrNameLst>
-                                      </p:cBhvr>
-                                      <p:to>
-                                        <p:strVal val="visible"/>
-                                      </p:to>
-                                    </p:set>
-                                    <p:animEffect transition="in" filter="dissolve">
-                                      <p:cBhvr>
-                                        <p:cTn id="7" dur="500"/>
-                                        <p:tgtEl>
-                                          <p:spTgt spid="3">
-                                            <p:txEl>
-                                              <p:pRg st="0" end="0"/>
-                                            </p:txEl>
-                                          </p:spTgt>
-                                        </p:tgtEl>
-                                      </p:cBhvr>
-                                    </p:animEffect>
-                                  </p:childTnLst>
-                                </p:cTn>
-                              </p:par>
-                            </p:childTnLst>
-                          </p:cTn>
-                        </p:par>
-                      </p:childTnLst>
-                    </p:cTn>
-                  </p:par>
-                  <p:par>
-                    <p:cTn id="8" fill="hold">
-                      <p:stCondLst>
-                        <p:cond delay="indefinite"/>
-                      </p:stCondLst>
-                      <p:childTnLst>
-                        <p:par>
-                          <p:cTn id="9" fill="hold">
-                            <p:stCondLst>
-                              <p:cond delay="0"/>
-                            </p:stCondLst>
-                            <p:childTnLst>
-                              <p:par>
-                                <p:cTn id="10" presetID="9" presetClass="entr" presetSubtype="0" fill="hold" grpId="0" nodeType="clickEffect">
-                                  <p:stCondLst>
-                                    <p:cond delay="0"/>
-                                  </p:stCondLst>
-                                  <p:childTnLst>
-                                    <p:set>
-                                      <p:cBhvr>
-                                        <p:cTn id="11" dur="1" fill="hold">
-                                          <p:stCondLst>
-                                            <p:cond delay="0"/>
-                                          </p:stCondLst>
-                                        </p:cTn>
-                                        <p:tgtEl>
-                                          <p:spTgt spid="3">
-                                            <p:txEl>
-                                              <p:pRg st="2" end="2"/>
-                                            </p:txEl>
-                                          </p:spTgt>
-                                        </p:tgtEl>
-                                        <p:attrNameLst>
-                                          <p:attrName>style.visibility</p:attrName>
-                                        </p:attrNameLst>
-                                      </p:cBhvr>
-                                      <p:to>
-                                        <p:strVal val="visible"/>
-                                      </p:to>
-                                    </p:set>
-                                    <p:animEffect transition="in" filter="dissolve">
-                                      <p:cBhvr>
-                                        <p:cTn id="12" dur="500"/>
-                                        <p:tgtEl>
-                                          <p:spTgt spid="3">
-                                            <p:txEl>
-                                              <p:pRg st="2" end="2"/>
-                                            </p:txEl>
-                                          </p:spTgt>
-                                        </p:tgtEl>
-                                      </p:cBhvr>
-                                    </p:animEffect>
-                                  </p:childTnLst>
-                                </p:cTn>
-                              </p:par>
-                            </p:childTnLst>
-                          </p:cTn>
-                        </p:par>
-                      </p:childTnLst>
-                    </p:cTn>
-                  </p:par>
-                  <p:par>
-                    <p:cTn id="13" fill="hold">
-                      <p:stCondLst>
-                        <p:cond delay="indefinite"/>
-                      </p:stCondLst>
-                      <p:childTnLst>
-                        <p:par>
-                          <p:cTn id="14" fill="hold">
-                            <p:stCondLst>
-                              <p:cond delay="0"/>
-                            </p:stCondLst>
-                            <p:childTnLst>
-                              <p:par>
-                                <p:cTn id="15" presetID="9" presetClass="entr" presetSubtype="0" fill="hold" grpId="0" nodeType="clickEffect">
-                                  <p:stCondLst>
-                                    <p:cond delay="0"/>
-                                  </p:stCondLst>
-                                  <p:childTnLst>
-                                    <p:set>
-                                      <p:cBhvr>
-                                        <p:cTn id="16" dur="1" fill="hold">
-                                          <p:stCondLst>
-                                            <p:cond delay="0"/>
-                                          </p:stCondLst>
-                                        </p:cTn>
-                                        <p:tgtEl>
-                                          <p:spTgt spid="3">
-                                            <p:txEl>
-                                              <p:pRg st="4" end="4"/>
-                                            </p:txEl>
-                                          </p:spTgt>
-                                        </p:tgtEl>
-                                        <p:attrNameLst>
-                                          <p:attrName>style.visibility</p:attrName>
-                                        </p:attrNameLst>
-                                      </p:cBhvr>
-                                      <p:to>
-                                        <p:strVal val="visible"/>
-                                      </p:to>
-                                    </p:set>
-                                    <p:animEffect transition="in" filter="dissolve">
-                                      <p:cBhvr>
-                                        <p:cTn id="17" dur="500"/>
-                                        <p:tgtEl>
-                                          <p:spTgt spid="3">
-                                            <p:txEl>
-                                              <p:pRg st="4" end="4"/>
-                                            </p:txEl>
-                                          </p:spTgt>
-                                        </p:tgtEl>
-                                      </p:cBhvr>
-                                    </p:animEffect>
-                                  </p:childTnLst>
-                                </p:cTn>
-                              </p:par>
-                            </p:childTnLst>
-                          </p:cTn>
-                        </p:par>
-                      </p:childTnLst>
-                    </p:cTn>
-                  </p:par>
-                  <p:par>
-                    <p:cTn id="18" fill="hold">
-                      <p:stCondLst>
-                        <p:cond delay="indefinite"/>
-                      </p:stCondLst>
-                      <p:childTnLst>
-                        <p:par>
-                          <p:cTn id="19" fill="hold">
-                            <p:stCondLst>
-                              <p:cond delay="0"/>
-                            </p:stCondLst>
-                            <p:childTnLst>
-                              <p:par>
-                                <p:cTn id="20" presetID="9" presetClass="entr" presetSubtype="0" fill="hold" grpId="0" nodeType="clickEffect">
-                                  <p:stCondLst>
-                                    <p:cond delay="0"/>
-                                  </p:stCondLst>
-                                  <p:childTnLst>
-                                    <p:set>
-                                      <p:cBhvr>
-                                        <p:cTn id="21" dur="1" fill="hold">
-                                          <p:stCondLst>
-                                            <p:cond delay="0"/>
-                                          </p:stCondLst>
-                                        </p:cTn>
-                                        <p:tgtEl>
-                                          <p:spTgt spid="3">
-                                            <p:txEl>
-                                              <p:pRg st="6" end="6"/>
-                                            </p:txEl>
-                                          </p:spTgt>
-                                        </p:tgtEl>
-                                        <p:attrNameLst>
-                                          <p:attrName>style.visibility</p:attrName>
-                                        </p:attrNameLst>
-                                      </p:cBhvr>
-                                      <p:to>
-                                        <p:strVal val="visible"/>
-                                      </p:to>
-                                    </p:set>
-                                    <p:animEffect transition="in" filter="dissolve">
-                                      <p:cBhvr>
-                                        <p:cTn id="22" dur="500"/>
-                                        <p:tgtEl>
-                                          <p:spTgt spid="3">
-                                            <p:txEl>
-                                              <p:pRg st="6" end="6"/>
-                                            </p:txEl>
-                                          </p:spTgt>
-                                        </p:tgtEl>
-                                      </p:cBhvr>
-                                    </p:animEffect>
-                                  </p:childTnLst>
-                                </p:cTn>
-                              </p:par>
-                            </p:childTnLst>
-                          </p:cTn>
-                        </p:par>
-                      </p:childTnLst>
-                    </p:cTn>
-                  </p:par>
-                </p:childTnLst>
-              </p:cTn>
-              <p:prevCondLst>
-                <p:cond evt="onPrev" delay="0">
-                  <p:tgtEl>
-                    <p:sldTgt/>
-                  </p:tgtEl>
-                </p:cond>
-              </p:prevCondLst>
-              <p:nextCondLst>
-                <p:cond evt="onNext" delay="0">
-                  <p:tgtEl>
-                    <p:sldTgt/>
-                  </p:tgtEl>
-                </p:cond>
-              </p:nextCondLst>
-            </p:seq>
-          </p:childTnLst>
-        </p:cTn>
-      </p:par>
-    </p:tnLst>
-    <p:bldLst>
-      <p:bldP spid="3" grpId="0" build="p"/>
-    </p:bldLst>
-  </p:timing>
-</p:sld>
-</file>
-
-<file path=ppt/slides/slide3.xml><?xml version="1.0" encoding="utf-8"?>
-<p:sld xmlns:a="http://schemas.openxmlformats.org/drawingml/2006/main" xmlns:r="http://schemas.openxmlformats.org/officeDocument/2006/relationships" xmlns:p="http://schemas.openxmlformats.org/presentationml/2006/main">
-  <p:cSld>
-    <p:spTree>
-      <p:nvGrpSpPr>
-        <p:cNvPr id="1" name="">
-          <a:extLst>
-            <a:ext uri="{FF2B5EF4-FFF2-40B4-BE49-F238E27FC236}">
-              <a16:creationId xmlns:a16="http://schemas.microsoft.com/office/drawing/2014/main" id="{54ED675E-EBD5-96F7-760A-D0B30553E479}"/>
-            </a:ext>
-          </a:extLst>
-        </p:cNvPr>
-        <p:cNvGrpSpPr/>
-        <p:nvPr/>
-      </p:nvGrpSpPr>
-      <p:grpSpPr>
-        <a:xfrm>
-          <a:off x="0" y="0"/>
-          <a:ext cx="0" cy="0"/>
-          <a:chOff x="0" y="0"/>
-          <a:chExt cx="0" cy="0"/>
-        </a:xfrm>
-      </p:grpSpPr>
-      <p:sp>
-        <p:nvSpPr>
-          <p:cNvPr id="2" name="Title 1">
-            <a:extLst>
-              <a:ext uri="{FF2B5EF4-FFF2-40B4-BE49-F238E27FC236}">
-                <a16:creationId xmlns:a16="http://schemas.microsoft.com/office/drawing/2014/main" id="{20DA7757-810B-71E9-32E3-0BD41AEF0682}"/>
-              </a:ext>
-            </a:extLst>
-          </p:cNvPr>
-          <p:cNvSpPr>
-            <a:spLocks noGrp="1"/>
-          </p:cNvSpPr>
-          <p:nvPr>
-            <p:ph type="title"/>
-          </p:nvPr>
-        </p:nvSpPr>
-        <p:spPr>
-          <a:xfrm>
-            <a:off x="0" y="107548"/>
-            <a:ext cx="12192000" cy="716699"/>
-          </a:xfrm>
-        </p:spPr>
-        <p:txBody>
-          <a:bodyPr>
-            <a:normAutofit/>
-          </a:bodyPr>
-          <a:lstStyle/>
-          <a:p>
-            <a:r>
-              <a:rPr lang="en-IE" sz="4000" b="1" dirty="0">
-                <a:latin typeface="Arial" panose="020B0604020202020204" pitchFamily="34" charset="0"/>
-                <a:cs typeface="Arial" panose="020B0604020202020204" pitchFamily="34" charset="0"/>
-              </a:rPr>
-              <a:t>Correlations</a:t>
-            </a:r>
-          </a:p>
-        </p:txBody>
-      </p:sp>
-      <p:sp>
-        <p:nvSpPr>
-          <p:cNvPr id="3" name="Content Placeholder 2">
-            <a:extLst>
-              <a:ext uri="{FF2B5EF4-FFF2-40B4-BE49-F238E27FC236}">
-                <a16:creationId xmlns:a16="http://schemas.microsoft.com/office/drawing/2014/main" id="{183F4993-24FA-8D6D-D043-345379CD677F}"/>
-              </a:ext>
-            </a:extLst>
-          </p:cNvPr>
-          <p:cNvSpPr>
-            <a:spLocks noGrp="1"/>
-          </p:cNvSpPr>
-          <p:nvPr>
-            <p:ph idx="1"/>
-          </p:nvPr>
-        </p:nvSpPr>
-        <p:spPr>
-          <a:xfrm>
-            <a:off x="1" y="1224755"/>
-            <a:ext cx="12191999" cy="2475708"/>
-          </a:xfrm>
-        </p:spPr>
-        <p:txBody>
-          <a:bodyPr>
-            <a:noAutofit/>
-          </a:bodyPr>
-          <a:lstStyle/>
-          <a:p>
-            <a:pPr marL="0" indent="0">
-              <a:buNone/>
-            </a:pPr>
-            <a:r>
-              <a:rPr lang="en-IE" sz="2600" dirty="0">
-                <a:latin typeface="Arial" panose="020B0604020202020204" pitchFamily="34" charset="0"/>
-                <a:cs typeface="Arial" panose="020B0604020202020204" pitchFamily="34" charset="0"/>
-              </a:rPr>
-              <a:t>Least correlated =&gt; needed less at managerial stage:</a:t>
-            </a:r>
-          </a:p>
-          <a:p>
-            <a:pPr marL="0" indent="0">
-              <a:buNone/>
-            </a:pPr>
-            <a:r>
-              <a:rPr lang="en-IE" sz="2600" dirty="0">
-                <a:latin typeface="Arial" panose="020B0604020202020204" pitchFamily="34" charset="0"/>
-                <a:cs typeface="Arial" panose="020B0604020202020204" pitchFamily="34" charset="0"/>
-              </a:rPr>
-              <a:t>     B3 = Prepare life science data for computational analysis</a:t>
-            </a:r>
-          </a:p>
-          <a:p>
-            <a:pPr marL="0" indent="0">
-              <a:buNone/>
-            </a:pPr>
-            <a:r>
-              <a:rPr lang="en-IE" sz="2600" dirty="0">
-                <a:latin typeface="Arial" panose="020B0604020202020204" pitchFamily="34" charset="0"/>
-                <a:cs typeface="Arial" panose="020B0604020202020204" pitchFamily="34" charset="0"/>
-              </a:rPr>
-              <a:t>     H3 = Make appropriate and efficient use of scripting &amp; programming languages</a:t>
-            </a:r>
-          </a:p>
-        </p:txBody>
-      </p:sp>
-      <p:sp>
-        <p:nvSpPr>
-          <p:cNvPr id="7" name="Content Placeholder 2">
-            <a:extLst>
-              <a:ext uri="{FF2B5EF4-FFF2-40B4-BE49-F238E27FC236}">
-                <a16:creationId xmlns:a16="http://schemas.microsoft.com/office/drawing/2014/main" id="{00EB001F-A576-5AF8-A90D-04F1A68B1AEA}"/>
-              </a:ext>
-            </a:extLst>
-          </p:cNvPr>
-          <p:cNvSpPr txBox="1">
-            <a:spLocks/>
-          </p:cNvSpPr>
-          <p:nvPr/>
-        </p:nvSpPr>
-        <p:spPr>
-          <a:xfrm>
-            <a:off x="1" y="3320251"/>
-            <a:ext cx="12191999" cy="3363192"/>
-          </a:xfrm>
-          <a:prstGeom prst="rect">
-            <a:avLst/>
-          </a:prstGeom>
-        </p:spPr>
-        <p:txBody>
-          <a:bodyPr vert="horz" lIns="91440" tIns="45720" rIns="91440" bIns="45720" rtlCol="0">
-            <a:noAutofit/>
-          </a:bodyPr>
-          <a:lstStyle>
-            <a:lvl1pPr marL="228600" indent="-228600" algn="l" defTabSz="914400" rtl="0" eaLnBrk="1" latinLnBrk="0" hangingPunct="1">
-              <a:lnSpc>
-                <a:spcPct val="90000"/>
-              </a:lnSpc>
-              <a:spcBef>
-                <a:spcPts val="1000"/>
-              </a:spcBef>
-              <a:buFont typeface="Arial" panose="020B0604020202020204" pitchFamily="34" charset="0"/>
-              <a:buChar char="•"/>
-              <a:defRPr sz="2800" kern="1200">
-                <a:solidFill>
-                  <a:schemeClr val="tx1"/>
-                </a:solidFill>
-                <a:latin typeface="+mn-lt"/>
-                <a:ea typeface="+mn-ea"/>
-                <a:cs typeface="+mn-cs"/>
-              </a:defRPr>
-            </a:lvl1pPr>
-            <a:lvl2pPr marL="685800" indent="-228600" algn="l" defTabSz="914400" rtl="0" eaLnBrk="1" latinLnBrk="0" hangingPunct="1">
-              <a:lnSpc>
-                <a:spcPct val="90000"/>
-              </a:lnSpc>
-              <a:spcBef>
-                <a:spcPts val="500"/>
-              </a:spcBef>
-              <a:buFont typeface="Arial" panose="020B0604020202020204" pitchFamily="34" charset="0"/>
-              <a:buChar char="•"/>
-              <a:defRPr sz="2400" kern="1200">
-                <a:solidFill>
-                  <a:schemeClr val="tx1"/>
-                </a:solidFill>
-                <a:latin typeface="+mn-lt"/>
-                <a:ea typeface="+mn-ea"/>
-                <a:cs typeface="+mn-cs"/>
-              </a:defRPr>
-            </a:lvl2pPr>
-            <a:lvl3pPr marL="1143000" indent="-228600" algn="l" defTabSz="914400" rtl="0" eaLnBrk="1" latinLnBrk="0" hangingPunct="1">
-              <a:lnSpc>
-                <a:spcPct val="90000"/>
-              </a:lnSpc>
-              <a:spcBef>
-                <a:spcPts val="500"/>
-              </a:spcBef>
-              <a:buFont typeface="Arial" panose="020B0604020202020204" pitchFamily="34" charset="0"/>
-              <a:buChar char="•"/>
-              <a:defRPr sz="2000" kern="1200">
-                <a:solidFill>
-                  <a:schemeClr val="tx1"/>
-                </a:solidFill>
-                <a:latin typeface="+mn-lt"/>
-                <a:ea typeface="+mn-ea"/>
-                <a:cs typeface="+mn-cs"/>
-              </a:defRPr>
-            </a:lvl3pPr>
-            <a:lvl4pPr marL="1600200" indent="-228600" algn="l" defTabSz="914400" rtl="0" eaLnBrk="1" latinLnBrk="0" hangingPunct="1">
-              <a:lnSpc>
-                <a:spcPct val="90000"/>
-              </a:lnSpc>
-              <a:spcBef>
-                <a:spcPts val="500"/>
-              </a:spcBef>
-              <a:buFont typeface="Arial" panose="020B0604020202020204" pitchFamily="34" charset="0"/>
-              <a:buChar char="•"/>
-              <a:defRPr sz="1800" kern="1200">
-                <a:solidFill>
-                  <a:schemeClr val="tx1"/>
-                </a:solidFill>
-                <a:latin typeface="+mn-lt"/>
-                <a:ea typeface="+mn-ea"/>
-                <a:cs typeface="+mn-cs"/>
-              </a:defRPr>
-            </a:lvl4pPr>
-            <a:lvl5pPr marL="2057400" indent="-228600" algn="l" defTabSz="914400" rtl="0" eaLnBrk="1" latinLnBrk="0" hangingPunct="1">
-              <a:lnSpc>
-                <a:spcPct val="90000"/>
-              </a:lnSpc>
-              <a:spcBef>
-                <a:spcPts val="500"/>
-              </a:spcBef>
-              <a:buFont typeface="Arial" panose="020B0604020202020204" pitchFamily="34" charset="0"/>
-              <a:buChar char="•"/>
-              <a:defRPr sz="1800" kern="1200">
-                <a:solidFill>
-                  <a:schemeClr val="tx1"/>
-                </a:solidFill>
-                <a:latin typeface="+mn-lt"/>
-                <a:ea typeface="+mn-ea"/>
-                <a:cs typeface="+mn-cs"/>
-              </a:defRPr>
-            </a:lvl5pPr>
-            <a:lvl6pPr marL="2514600" indent="-228600" algn="l" defTabSz="914400" rtl="0" eaLnBrk="1" latinLnBrk="0" hangingPunct="1">
-              <a:lnSpc>
-                <a:spcPct val="90000"/>
-              </a:lnSpc>
-              <a:spcBef>
-                <a:spcPts val="500"/>
-              </a:spcBef>
-              <a:buFont typeface="Arial" panose="020B0604020202020204" pitchFamily="34" charset="0"/>
-              <a:buChar char="•"/>
-              <a:defRPr sz="1800" kern="1200">
-                <a:solidFill>
-                  <a:schemeClr val="tx1"/>
-                </a:solidFill>
-                <a:latin typeface="+mn-lt"/>
-                <a:ea typeface="+mn-ea"/>
-                <a:cs typeface="+mn-cs"/>
-              </a:defRPr>
-            </a:lvl6pPr>
-            <a:lvl7pPr marL="2971800" indent="-228600" algn="l" defTabSz="914400" rtl="0" eaLnBrk="1" latinLnBrk="0" hangingPunct="1">
-              <a:lnSpc>
-                <a:spcPct val="90000"/>
-              </a:lnSpc>
-              <a:spcBef>
-                <a:spcPts val="500"/>
-              </a:spcBef>
-              <a:buFont typeface="Arial" panose="020B0604020202020204" pitchFamily="34" charset="0"/>
-              <a:buChar char="•"/>
-              <a:defRPr sz="1800" kern="1200">
-                <a:solidFill>
-                  <a:schemeClr val="tx1"/>
-                </a:solidFill>
-                <a:latin typeface="+mn-lt"/>
-                <a:ea typeface="+mn-ea"/>
-                <a:cs typeface="+mn-cs"/>
-              </a:defRPr>
-            </a:lvl7pPr>
-            <a:lvl8pPr marL="3429000" indent="-228600" algn="l" defTabSz="914400" rtl="0" eaLnBrk="1" latinLnBrk="0" hangingPunct="1">
-              <a:lnSpc>
-                <a:spcPct val="90000"/>
-              </a:lnSpc>
-              <a:spcBef>
-                <a:spcPts val="500"/>
-              </a:spcBef>
-              <a:buFont typeface="Arial" panose="020B0604020202020204" pitchFamily="34" charset="0"/>
-              <a:buChar char="•"/>
-              <a:defRPr sz="1800" kern="1200">
-                <a:solidFill>
-                  <a:schemeClr val="tx1"/>
-                </a:solidFill>
-                <a:latin typeface="+mn-lt"/>
-                <a:ea typeface="+mn-ea"/>
-                <a:cs typeface="+mn-cs"/>
-              </a:defRPr>
-            </a:lvl8pPr>
-            <a:lvl9pPr marL="3886200" indent="-228600" algn="l" defTabSz="914400" rtl="0" eaLnBrk="1" latinLnBrk="0" hangingPunct="1">
-              <a:lnSpc>
-                <a:spcPct val="90000"/>
-              </a:lnSpc>
-              <a:spcBef>
-                <a:spcPts val="500"/>
-              </a:spcBef>
-              <a:buFont typeface="Arial" panose="020B0604020202020204" pitchFamily="34" charset="0"/>
-              <a:buChar char="•"/>
-              <a:defRPr sz="1800" kern="1200">
-                <a:solidFill>
-                  <a:schemeClr val="tx1"/>
-                </a:solidFill>
-                <a:latin typeface="+mn-lt"/>
-                <a:ea typeface="+mn-ea"/>
-                <a:cs typeface="+mn-cs"/>
-              </a:defRPr>
-            </a:lvl9pPr>
-          </a:lstStyle>
-          <a:p>
-            <a:pPr marL="0" indent="0">
-              <a:buFont typeface="Arial" panose="020B0604020202020204" pitchFamily="34" charset="0"/>
-              <a:buNone/>
-            </a:pPr>
-            <a:r>
-              <a:rPr lang="en-IE" sz="2600" dirty="0">
-                <a:latin typeface="Arial" panose="020B0604020202020204" pitchFamily="34" charset="0"/>
-                <a:cs typeface="Arial" panose="020B0604020202020204" pitchFamily="34" charset="0"/>
-              </a:rPr>
-              <a:t>More correlated =&gt; career stage progress </a:t>
-            </a:r>
-          </a:p>
-          <a:p>
-            <a:pPr marL="0" indent="0">
-              <a:buFont typeface="Arial" panose="020B0604020202020204" pitchFamily="34" charset="0"/>
-              <a:buNone/>
-            </a:pPr>
-            <a:r>
-              <a:rPr lang="en-IE" sz="2600" dirty="0">
-                <a:latin typeface="Arial" panose="020B0604020202020204" pitchFamily="34" charset="0"/>
-                <a:cs typeface="Arial" panose="020B0604020202020204" pitchFamily="34" charset="0"/>
-              </a:rPr>
-              <a:t>S1 - correlated with later stages – New Leadership </a:t>
-            </a:r>
-          </a:p>
-          <a:p>
-            <a:pPr marL="0" indent="0">
-              <a:buFont typeface="Arial" panose="020B0604020202020204" pitchFamily="34" charset="0"/>
-              <a:buNone/>
-            </a:pPr>
-            <a:r>
-              <a:rPr lang="en-IE" sz="2600" dirty="0">
-                <a:latin typeface="Arial" panose="020B0604020202020204" pitchFamily="34" charset="0"/>
-                <a:cs typeface="Arial" panose="020B0604020202020204" pitchFamily="34" charset="0"/>
-              </a:rPr>
-              <a:t>O1 - correlated with later stages - New Project management</a:t>
-            </a:r>
-          </a:p>
-          <a:p>
-            <a:pPr marL="0" indent="0">
-              <a:buFont typeface="Arial" panose="020B0604020202020204" pitchFamily="34" charset="0"/>
-              <a:buNone/>
-            </a:pPr>
-            <a:r>
-              <a:rPr lang="en-IE" sz="2600" dirty="0">
-                <a:latin typeface="Arial" panose="020B0604020202020204" pitchFamily="34" charset="0"/>
-                <a:cs typeface="Arial" panose="020B0604020202020204" pitchFamily="34" charset="0"/>
-              </a:rPr>
-              <a:t>P1 - correlated with later stages – New People management focusing on staff</a:t>
-            </a:r>
-          </a:p>
-        </p:txBody>
-      </p:sp>
-    </p:spTree>
-    <p:extLst>
-      <p:ext uri="{BB962C8B-B14F-4D97-AF65-F5344CB8AC3E}">
-        <p14:creationId xmlns:p14="http://schemas.microsoft.com/office/powerpoint/2010/main" val="3643748910"/>
       </p:ext>
     </p:extLst>
   </p:cSld>
@@ -4878,7 +4279,11 @@
                                           </p:stCondLst>
                                         </p:cTn>
                                         <p:tgtEl>
-                                          <p:spTgt spid="7"/>
+                                          <p:spTgt spid="3">
+                                            <p:txEl>
+                                              <p:pRg st="3" end="3"/>
+                                            </p:txEl>
+                                          </p:spTgt>
                                         </p:tgtEl>
                                         <p:attrNameLst>
                                           <p:attrName>style.visibility</p:attrName>
@@ -4892,7 +4297,377 @@
                                       <p:cBhvr>
                                         <p:cTn id="22" dur="500"/>
                                         <p:tgtEl>
-                                          <p:spTgt spid="7"/>
+                                          <p:spTgt spid="3">
+                                            <p:txEl>
+                                              <p:pRg st="3" end="3"/>
+                                            </p:txEl>
+                                          </p:spTgt>
+                                        </p:tgtEl>
+                                      </p:cBhvr>
+                                    </p:animEffect>
+                                  </p:childTnLst>
+                                </p:cTn>
+                              </p:par>
+                            </p:childTnLst>
+                          </p:cTn>
+                        </p:par>
+                      </p:childTnLst>
+                    </p:cTn>
+                  </p:par>
+                  <p:par>
+                    <p:cTn id="23" fill="hold">
+                      <p:stCondLst>
+                        <p:cond delay="indefinite"/>
+                      </p:stCondLst>
+                      <p:childTnLst>
+                        <p:par>
+                          <p:cTn id="24" fill="hold">
+                            <p:stCondLst>
+                              <p:cond delay="0"/>
+                            </p:stCondLst>
+                            <p:childTnLst>
+                              <p:par>
+                                <p:cTn id="25" presetID="9" presetClass="entr" presetSubtype="0" fill="hold" grpId="0" nodeType="clickEffect">
+                                  <p:stCondLst>
+                                    <p:cond delay="0"/>
+                                  </p:stCondLst>
+                                  <p:childTnLst>
+                                    <p:set>
+                                      <p:cBhvr>
+                                        <p:cTn id="26" dur="1" fill="hold">
+                                          <p:stCondLst>
+                                            <p:cond delay="0"/>
+                                          </p:stCondLst>
+                                        </p:cTn>
+                                        <p:tgtEl>
+                                          <p:spTgt spid="3">
+                                            <p:txEl>
+                                              <p:pRg st="5" end="5"/>
+                                            </p:txEl>
+                                          </p:spTgt>
+                                        </p:tgtEl>
+                                        <p:attrNameLst>
+                                          <p:attrName>style.visibility</p:attrName>
+                                        </p:attrNameLst>
+                                      </p:cBhvr>
+                                      <p:to>
+                                        <p:strVal val="visible"/>
+                                      </p:to>
+                                    </p:set>
+                                    <p:animEffect transition="in" filter="dissolve">
+                                      <p:cBhvr>
+                                        <p:cTn id="27" dur="500"/>
+                                        <p:tgtEl>
+                                          <p:spTgt spid="3">
+                                            <p:txEl>
+                                              <p:pRg st="5" end="5"/>
+                                            </p:txEl>
+                                          </p:spTgt>
+                                        </p:tgtEl>
+                                      </p:cBhvr>
+                                    </p:animEffect>
+                                  </p:childTnLst>
+                                </p:cTn>
+                              </p:par>
+                            </p:childTnLst>
+                          </p:cTn>
+                        </p:par>
+                      </p:childTnLst>
+                    </p:cTn>
+                  </p:par>
+                  <p:par>
+                    <p:cTn id="28" fill="hold">
+                      <p:stCondLst>
+                        <p:cond delay="indefinite"/>
+                      </p:stCondLst>
+                      <p:childTnLst>
+                        <p:par>
+                          <p:cTn id="29" fill="hold">
+                            <p:stCondLst>
+                              <p:cond delay="0"/>
+                            </p:stCondLst>
+                            <p:childTnLst>
+                              <p:par>
+                                <p:cTn id="30" presetID="9" presetClass="entr" presetSubtype="0" fill="hold" grpId="0" nodeType="clickEffect">
+                                  <p:stCondLst>
+                                    <p:cond delay="0"/>
+                                  </p:stCondLst>
+                                  <p:childTnLst>
+                                    <p:set>
+                                      <p:cBhvr>
+                                        <p:cTn id="31" dur="1" fill="hold">
+                                          <p:stCondLst>
+                                            <p:cond delay="0"/>
+                                          </p:stCondLst>
+                                        </p:cTn>
+                                        <p:tgtEl>
+                                          <p:spTgt spid="3">
+                                            <p:txEl>
+                                              <p:pRg st="6" end="6"/>
+                                            </p:txEl>
+                                          </p:spTgt>
+                                        </p:tgtEl>
+                                        <p:attrNameLst>
+                                          <p:attrName>style.visibility</p:attrName>
+                                        </p:attrNameLst>
+                                      </p:cBhvr>
+                                      <p:to>
+                                        <p:strVal val="visible"/>
+                                      </p:to>
+                                    </p:set>
+                                    <p:animEffect transition="in" filter="dissolve">
+                                      <p:cBhvr>
+                                        <p:cTn id="32" dur="500"/>
+                                        <p:tgtEl>
+                                          <p:spTgt spid="3">
+                                            <p:txEl>
+                                              <p:pRg st="6" end="6"/>
+                                            </p:txEl>
+                                          </p:spTgt>
+                                        </p:tgtEl>
+                                      </p:cBhvr>
+                                    </p:animEffect>
+                                  </p:childTnLst>
+                                </p:cTn>
+                              </p:par>
+                            </p:childTnLst>
+                          </p:cTn>
+                        </p:par>
+                      </p:childTnLst>
+                    </p:cTn>
+                  </p:par>
+                  <p:par>
+                    <p:cTn id="33" fill="hold">
+                      <p:stCondLst>
+                        <p:cond delay="indefinite"/>
+                      </p:stCondLst>
+                      <p:childTnLst>
+                        <p:par>
+                          <p:cTn id="34" fill="hold">
+                            <p:stCondLst>
+                              <p:cond delay="0"/>
+                            </p:stCondLst>
+                            <p:childTnLst>
+                              <p:par>
+                                <p:cTn id="35" presetID="9" presetClass="entr" presetSubtype="0" fill="hold" grpId="0" nodeType="clickEffect">
+                                  <p:stCondLst>
+                                    <p:cond delay="0"/>
+                                  </p:stCondLst>
+                                  <p:childTnLst>
+                                    <p:set>
+                                      <p:cBhvr>
+                                        <p:cTn id="36" dur="1" fill="hold">
+                                          <p:stCondLst>
+                                            <p:cond delay="0"/>
+                                          </p:stCondLst>
+                                        </p:cTn>
+                                        <p:tgtEl>
+                                          <p:spTgt spid="3">
+                                            <p:txEl>
+                                              <p:pRg st="7" end="7"/>
+                                            </p:txEl>
+                                          </p:spTgt>
+                                        </p:tgtEl>
+                                        <p:attrNameLst>
+                                          <p:attrName>style.visibility</p:attrName>
+                                        </p:attrNameLst>
+                                      </p:cBhvr>
+                                      <p:to>
+                                        <p:strVal val="visible"/>
+                                      </p:to>
+                                    </p:set>
+                                    <p:animEffect transition="in" filter="dissolve">
+                                      <p:cBhvr>
+                                        <p:cTn id="37" dur="500"/>
+                                        <p:tgtEl>
+                                          <p:spTgt spid="3">
+                                            <p:txEl>
+                                              <p:pRg st="7" end="7"/>
+                                            </p:txEl>
+                                          </p:spTgt>
+                                        </p:tgtEl>
+                                      </p:cBhvr>
+                                    </p:animEffect>
+                                  </p:childTnLst>
+                                </p:cTn>
+                              </p:par>
+                            </p:childTnLst>
+                          </p:cTn>
+                        </p:par>
+                      </p:childTnLst>
+                    </p:cTn>
+                  </p:par>
+                  <p:par>
+                    <p:cTn id="38" fill="hold">
+                      <p:stCondLst>
+                        <p:cond delay="indefinite"/>
+                      </p:stCondLst>
+                      <p:childTnLst>
+                        <p:par>
+                          <p:cTn id="39" fill="hold">
+                            <p:stCondLst>
+                              <p:cond delay="0"/>
+                            </p:stCondLst>
+                            <p:childTnLst>
+                              <p:par>
+                                <p:cTn id="40" presetID="9" presetClass="entr" presetSubtype="0" fill="hold" grpId="0" nodeType="clickEffect">
+                                  <p:stCondLst>
+                                    <p:cond delay="0"/>
+                                  </p:stCondLst>
+                                  <p:childTnLst>
+                                    <p:set>
+                                      <p:cBhvr>
+                                        <p:cTn id="41" dur="1" fill="hold">
+                                          <p:stCondLst>
+                                            <p:cond delay="0"/>
+                                          </p:stCondLst>
+                                        </p:cTn>
+                                        <p:tgtEl>
+                                          <p:spTgt spid="3">
+                                            <p:txEl>
+                                              <p:pRg st="8" end="8"/>
+                                            </p:txEl>
+                                          </p:spTgt>
+                                        </p:tgtEl>
+                                        <p:attrNameLst>
+                                          <p:attrName>style.visibility</p:attrName>
+                                        </p:attrNameLst>
+                                      </p:cBhvr>
+                                      <p:to>
+                                        <p:strVal val="visible"/>
+                                      </p:to>
+                                    </p:set>
+                                    <p:animEffect transition="in" filter="dissolve">
+                                      <p:cBhvr>
+                                        <p:cTn id="42" dur="500"/>
+                                        <p:tgtEl>
+                                          <p:spTgt spid="3">
+                                            <p:txEl>
+                                              <p:pRg st="8" end="8"/>
+                                            </p:txEl>
+                                          </p:spTgt>
+                                        </p:tgtEl>
+                                      </p:cBhvr>
+                                    </p:animEffect>
+                                  </p:childTnLst>
+                                </p:cTn>
+                              </p:par>
+                            </p:childTnLst>
+                          </p:cTn>
+                        </p:par>
+                      </p:childTnLst>
+                    </p:cTn>
+                  </p:par>
+                  <p:par>
+                    <p:cTn id="43" fill="hold">
+                      <p:stCondLst>
+                        <p:cond delay="indefinite"/>
+                      </p:stCondLst>
+                      <p:childTnLst>
+                        <p:par>
+                          <p:cTn id="44" fill="hold">
+                            <p:stCondLst>
+                              <p:cond delay="0"/>
+                            </p:stCondLst>
+                            <p:childTnLst>
+                              <p:par>
+                                <p:cTn id="45" presetID="9" presetClass="entr" presetSubtype="0" fill="hold" grpId="0" nodeType="clickEffect">
+                                  <p:stCondLst>
+                                    <p:cond delay="0"/>
+                                  </p:stCondLst>
+                                  <p:childTnLst>
+                                    <p:set>
+                                      <p:cBhvr>
+                                        <p:cTn id="46" dur="1" fill="hold">
+                                          <p:stCondLst>
+                                            <p:cond delay="0"/>
+                                          </p:stCondLst>
+                                        </p:cTn>
+                                        <p:tgtEl>
+                                          <p:spTgt spid="3">
+                                            <p:txEl>
+                                              <p:pRg st="9" end="9"/>
+                                            </p:txEl>
+                                          </p:spTgt>
+                                        </p:tgtEl>
+                                        <p:attrNameLst>
+                                          <p:attrName>style.visibility</p:attrName>
+                                        </p:attrNameLst>
+                                      </p:cBhvr>
+                                      <p:to>
+                                        <p:strVal val="visible"/>
+                                      </p:to>
+                                    </p:set>
+                                    <p:animEffect transition="in" filter="dissolve">
+                                      <p:cBhvr>
+                                        <p:cTn id="47" dur="500"/>
+                                        <p:tgtEl>
+                                          <p:spTgt spid="3">
+                                            <p:txEl>
+                                              <p:pRg st="9" end="9"/>
+                                            </p:txEl>
+                                          </p:spTgt>
+                                        </p:tgtEl>
+                                      </p:cBhvr>
+                                    </p:animEffect>
+                                  </p:childTnLst>
+                                </p:cTn>
+                              </p:par>
+                            </p:childTnLst>
+                          </p:cTn>
+                        </p:par>
+                      </p:childTnLst>
+                    </p:cTn>
+                  </p:par>
+                  <p:par>
+                    <p:cTn id="48" fill="hold">
+                      <p:stCondLst>
+                        <p:cond delay="indefinite"/>
+                      </p:stCondLst>
+                      <p:childTnLst>
+                        <p:par>
+                          <p:cTn id="49" fill="hold">
+                            <p:stCondLst>
+                              <p:cond delay="0"/>
+                            </p:stCondLst>
+                            <p:childTnLst>
+                              <p:par>
+                                <p:cTn id="50" presetID="9" presetClass="entr" presetSubtype="0" fill="hold" grpId="0" nodeType="clickEffect">
+                                  <p:stCondLst>
+                                    <p:cond delay="0"/>
+                                  </p:stCondLst>
+                                  <p:childTnLst>
+                                    <p:set>
+                                      <p:cBhvr>
+                                        <p:cTn id="51" dur="1" fill="hold">
+                                          <p:stCondLst>
+                                            <p:cond delay="0"/>
+                                          </p:stCondLst>
+                                        </p:cTn>
+                                        <p:tgtEl>
+                                          <p:spTgt spid="3">
+                                            <p:txEl>
+                                              <p:pRg st="10" end="10"/>
+                                            </p:txEl>
+                                          </p:spTgt>
+                                        </p:tgtEl>
+                                        <p:attrNameLst>
+                                          <p:attrName>style.visibility</p:attrName>
+                                        </p:attrNameLst>
+                                      </p:cBhvr>
+                                      <p:to>
+                                        <p:strVal val="visible"/>
+                                      </p:to>
+                                    </p:set>
+                                    <p:animEffect transition="in" filter="dissolve">
+                                      <p:cBhvr>
+                                        <p:cTn id="52" dur="500"/>
+                                        <p:tgtEl>
+                                          <p:spTgt spid="3">
+                                            <p:txEl>
+                                              <p:pRg st="10" end="10"/>
+                                            </p:txEl>
+                                          </p:spTgt>
                                         </p:tgtEl>
                                       </p:cBhvr>
                                     </p:animEffect>
@@ -4928,13 +4703,12 @@
     </p:tnLst>
     <p:bldLst>
       <p:bldP spid="3" grpId="0" build="p"/>
-      <p:bldP spid="7" grpId="0"/>
     </p:bldLst>
   </p:timing>
 </p:sld>
 </file>
 
-<file path=ppt/slides/slide4.xml><?xml version="1.0" encoding="utf-8"?>
+<file path=ppt/slides/slide3.xml><?xml version="1.0" encoding="utf-8"?>
 <p:sld xmlns:a="http://schemas.openxmlformats.org/drawingml/2006/main" xmlns:r="http://schemas.openxmlformats.org/officeDocument/2006/relationships" xmlns:p="http://schemas.openxmlformats.org/presentationml/2006/main">
   <p:cSld>
     <p:spTree>
@@ -5123,10 +4897,10 @@
       </p:sp>
       <p:pic>
         <p:nvPicPr>
-          <p:cNvPr id="3" name="Picture 2">
+          <p:cNvPr id="7" name="Picture 6">
             <a:extLst>
               <a:ext uri="{FF2B5EF4-FFF2-40B4-BE49-F238E27FC236}">
-                <a16:creationId xmlns:a16="http://schemas.microsoft.com/office/drawing/2014/main" id="{C1636E0B-243A-A74F-CB99-4CE82248B15F}"/>
+                <a16:creationId xmlns:a16="http://schemas.microsoft.com/office/drawing/2014/main" id="{2A693D4C-C2C7-BED5-BA99-CD48F38B99ED}"/>
               </a:ext>
             </a:extLst>
           </p:cNvPr>
@@ -5143,8 +4917,8 @@
         </p:blipFill>
         <p:spPr>
           <a:xfrm>
-            <a:off x="6175711" y="-90147"/>
-            <a:ext cx="6016288" cy="7019003"/>
+            <a:off x="6175711" y="-95831"/>
+            <a:ext cx="6004096" cy="7004779"/>
           </a:xfrm>
           <a:prstGeom prst="rect">
             <a:avLst/>
@@ -5441,7 +5215,7 @@
 </p:sld>
 </file>
 
-<file path=ppt/slides/slide5.xml><?xml version="1.0" encoding="utf-8"?>
+<file path=ppt/slides/slide4.xml><?xml version="1.0" encoding="utf-8"?>
 <p:sld xmlns:a="http://schemas.openxmlformats.org/drawingml/2006/main" xmlns:r="http://schemas.openxmlformats.org/officeDocument/2006/relationships" xmlns:p="http://schemas.openxmlformats.org/presentationml/2006/main">
   <p:cSld>
     <p:spTree>
@@ -5483,7 +5257,7 @@
         <p:spPr>
           <a:xfrm>
             <a:off x="1" y="1224755"/>
-            <a:ext cx="5357610" cy="2475708"/>
+            <a:ext cx="5357610" cy="960150"/>
           </a:xfrm>
         </p:spPr>
         <p:txBody>
@@ -5500,7 +5274,7 @@
                 <a:latin typeface="Arial" panose="020B0604020202020204" pitchFamily="34" charset="0"/>
                 <a:cs typeface="Arial" panose="020B0604020202020204" pitchFamily="34" charset="0"/>
               </a:rPr>
-              <a:t>Get pairwise correlations b/w each of the 19 competencies</a:t>
+              <a:t>Pairwise correlations b/w each competency pair</a:t>
             </a:r>
           </a:p>
         </p:txBody>
@@ -5558,13 +5332,13 @@
           <p:nvPr>
             <p:extLst>
               <p:ext uri="{D42A27DB-BD31-4B8C-83A1-F6EECF244321}">
-                <p14:modId xmlns:p14="http://schemas.microsoft.com/office/powerpoint/2010/main" val="4230521922"/>
+                <p14:modId xmlns:p14="http://schemas.microsoft.com/office/powerpoint/2010/main" val="1682754869"/>
               </p:ext>
             </p:extLst>
           </p:nvPr>
         </p:nvGraphicFramePr>
         <p:xfrm>
-          <a:off x="105880" y="2184905"/>
+          <a:off x="8664" y="2184905"/>
           <a:ext cx="2261935" cy="4565547"/>
         </p:xfrm>
         <a:graphic>
@@ -5991,7 +5765,7 @@
                           <a:latin typeface="Arial" panose="020B0604020202020204" pitchFamily="34" charset="0"/>
                           <a:cs typeface="Arial" panose="020B0604020202020204" pitchFamily="34" charset="0"/>
                         </a:rPr>
-                        <a:t>0.81</a:t>
+                        <a:t>0.80</a:t>
                       </a:r>
                     </a:p>
                   </a:txBody>
@@ -6215,7 +5989,7 @@
                           <a:latin typeface="Arial" panose="020B0604020202020204" pitchFamily="34" charset="0"/>
                           <a:cs typeface="Arial" panose="020B0604020202020204" pitchFamily="34" charset="0"/>
                         </a:rPr>
-                        <a:t>0.78</a:t>
+                        <a:t>0.80</a:t>
                       </a:r>
                     </a:p>
                   </a:txBody>
@@ -6327,7 +6101,7 @@
                           <a:latin typeface="Arial" panose="020B0604020202020204" pitchFamily="34" charset="0"/>
                           <a:cs typeface="Arial" panose="020B0604020202020204" pitchFamily="34" charset="0"/>
                         </a:rPr>
-                        <a:t>0.78</a:t>
+                        <a:t>0.76</a:t>
                       </a:r>
                     </a:p>
                   </a:txBody>
@@ -6542,7 +6316,7 @@
                           <a:latin typeface="Arial" panose="020B0604020202020204" pitchFamily="34" charset="0"/>
                           <a:cs typeface="Arial" panose="020B0604020202020204" pitchFamily="34" charset="0"/>
                         </a:rPr>
-                        <a:t>0.26</a:t>
+                        <a:t>0.30</a:t>
                       </a:r>
                     </a:p>
                   </a:txBody>
@@ -6654,7 +6428,7 @@
                           <a:latin typeface="Arial" panose="020B0604020202020204" pitchFamily="34" charset="0"/>
                           <a:cs typeface="Arial" panose="020B0604020202020204" pitchFamily="34" charset="0"/>
                         </a:rPr>
-                        <a:t>0.26</a:t>
+                        <a:t>0.27</a:t>
                       </a:r>
                     </a:p>
                   </a:txBody>
@@ -6731,7 +6505,7 @@
                           <a:latin typeface="Arial" panose="020B0604020202020204" pitchFamily="34" charset="0"/>
                           <a:cs typeface="Arial" panose="020B0604020202020204" pitchFamily="34" charset="0"/>
                         </a:rPr>
-                        <a:t>R1</a:t>
+                        <a:t>P1</a:t>
                       </a:r>
                     </a:p>
                   </a:txBody>
@@ -6758,7 +6532,7 @@
                     <a:p>
                       <a:pPr algn="ctr" fontAlgn="b"/>
                       <a:r>
-                        <a:rPr lang="en-GB" sz="2000" b="0" i="0" u="none" strike="noStrike">
+                        <a:rPr lang="en-GB" sz="2000" b="0" i="0" u="none" strike="noStrike" dirty="0">
                           <a:solidFill>
                             <a:srgbClr val="000000"/>
                           </a:solidFill>
@@ -6766,7 +6540,7 @@
                           <a:latin typeface="Arial" panose="020B0604020202020204" pitchFamily="34" charset="0"/>
                           <a:cs typeface="Arial" panose="020B0604020202020204" pitchFamily="34" charset="0"/>
                         </a:rPr>
-                        <a:t>0.27</a:t>
+                        <a:t>0.28</a:t>
                       </a:r>
                     </a:p>
                   </a:txBody>
@@ -6955,118 +6729,6 @@
                           <a:latin typeface="Arial" panose="020B0604020202020204" pitchFamily="34" charset="0"/>
                           <a:cs typeface="Arial" panose="020B0604020202020204" pitchFamily="34" charset="0"/>
                         </a:rPr>
-                        <a:t>P1</a:t>
-                      </a:r>
-                    </a:p>
-                  </a:txBody>
-                  <a:tcPr marL="9525" marR="9525" marT="9525" marB="0" anchor="b">
-                    <a:lnL>
-                      <a:noFill/>
-                    </a:lnL>
-                    <a:lnR>
-                      <a:noFill/>
-                    </a:lnR>
-                    <a:lnT>
-                      <a:noFill/>
-                    </a:lnT>
-                    <a:lnB>
-                      <a:noFill/>
-                    </a:lnB>
-                    <a:noFill/>
-                  </a:tcPr>
-                </a:tc>
-                <a:tc>
-                  <a:txBody>
-                    <a:bodyPr/>
-                    <a:lstStyle/>
-                    <a:p>
-                      <a:pPr algn="ctr" fontAlgn="b"/>
-                      <a:r>
-                        <a:rPr lang="en-GB" sz="2000" b="0" i="0" u="none" strike="noStrike" dirty="0">
-                          <a:solidFill>
-                            <a:srgbClr val="000000"/>
-                          </a:solidFill>
-                          <a:effectLst/>
-                          <a:latin typeface="Arial" panose="020B0604020202020204" pitchFamily="34" charset="0"/>
-                          <a:cs typeface="Arial" panose="020B0604020202020204" pitchFamily="34" charset="0"/>
-                        </a:rPr>
-                        <a:t>0.28</a:t>
-                      </a:r>
-                    </a:p>
-                  </a:txBody>
-                  <a:tcPr marL="9525" marR="9525" marT="9525" marB="0" anchor="b">
-                    <a:lnL>
-                      <a:noFill/>
-                    </a:lnL>
-                    <a:lnR>
-                      <a:noFill/>
-                    </a:lnR>
-                    <a:lnT>
-                      <a:noFill/>
-                    </a:lnT>
-                    <a:lnB>
-                      <a:noFill/>
-                    </a:lnB>
-                    <a:noFill/>
-                  </a:tcPr>
-                </a:tc>
-                <a:extLst>
-                  <a:ext uri="{0D108BD9-81ED-4DB2-BD59-A6C34878D82A}">
-                    <a16:rowId xmlns:a16="http://schemas.microsoft.com/office/drawing/2014/main" val="765367173"/>
-                  </a:ext>
-                </a:extLst>
-              </a:tr>
-              <a:tr h="259532">
-                <a:tc>
-                  <a:txBody>
-                    <a:bodyPr/>
-                    <a:lstStyle/>
-                    <a:p>
-                      <a:pPr algn="ctr" fontAlgn="b"/>
-                      <a:r>
-                        <a:rPr lang="en-GB" sz="2000" b="0" i="0" u="none" strike="noStrike" dirty="0">
-                          <a:solidFill>
-                            <a:srgbClr val="000000"/>
-                          </a:solidFill>
-                          <a:effectLst/>
-                          <a:latin typeface="Arial" panose="020B0604020202020204" pitchFamily="34" charset="0"/>
-                          <a:cs typeface="Arial" panose="020B0604020202020204" pitchFamily="34" charset="0"/>
-                        </a:rPr>
-                        <a:t>B3</a:t>
-                      </a:r>
-                    </a:p>
-                  </a:txBody>
-                  <a:tcPr marL="9525" marR="9525" marT="9525" marB="0" anchor="b">
-                    <a:lnL>
-                      <a:noFill/>
-                    </a:lnL>
-                    <a:lnR>
-                      <a:noFill/>
-                    </a:lnR>
-                    <a:lnT>
-                      <a:noFill/>
-                    </a:lnT>
-                    <a:lnB>
-                      <a:noFill/>
-                    </a:lnB>
-                    <a:noFill/>
-                  </a:tcPr>
-                </a:tc>
-                <a:tc>
-                  <a:txBody>
-                    <a:bodyPr/>
-                    <a:lstStyle/>
-                    <a:p>
-                      <a:pPr algn="ctr" fontAlgn="b"/>
-                      <a:r>
-                        <a:rPr lang="en-GB" sz="2000" b="0" i="0" u="none" strike="noStrike" dirty="0">
-                          <a:solidFill>
-                            <a:srgbClr val="000000"/>
-                          </a:solidFill>
-                          <a:effectLst/>
-                          <a:latin typeface="Arial" panose="020B0604020202020204" pitchFamily="34" charset="0"/>
-                          <a:cs typeface="Arial" panose="020B0604020202020204" pitchFamily="34" charset="0"/>
-                        </a:rPr>
                         <a:t>S1</a:t>
                       </a:r>
                     </a:p>
@@ -7124,6 +6786,109 @@
                 </a:tc>
                 <a:extLst>
                   <a:ext uri="{0D108BD9-81ED-4DB2-BD59-A6C34878D82A}">
+                    <a16:rowId xmlns:a16="http://schemas.microsoft.com/office/drawing/2014/main" val="765367173"/>
+                  </a:ext>
+                </a:extLst>
+              </a:tr>
+              <a:tr h="259532">
+                <a:tc>
+                  <a:txBody>
+                    <a:bodyPr/>
+                    <a:lstStyle/>
+                    <a:p>
+                      <a:pPr algn="ctr" fontAlgn="b"/>
+                      <a:endParaRPr lang="en-GB" sz="2000" b="0" i="0" u="none" strike="noStrike" dirty="0">
+                        <a:solidFill>
+                          <a:srgbClr val="000000"/>
+                        </a:solidFill>
+                        <a:effectLst/>
+                        <a:latin typeface="Arial" panose="020B0604020202020204" pitchFamily="34" charset="0"/>
+                        <a:cs typeface="Arial" panose="020B0604020202020204" pitchFamily="34" charset="0"/>
+                      </a:endParaRPr>
+                    </a:p>
+                  </a:txBody>
+                  <a:tcPr marL="9525" marR="9525" marT="9525" marB="0" anchor="b">
+                    <a:lnL>
+                      <a:noFill/>
+                    </a:lnL>
+                    <a:lnR>
+                      <a:noFill/>
+                    </a:lnR>
+                    <a:lnT>
+                      <a:noFill/>
+                    </a:lnT>
+                    <a:lnB>
+                      <a:noFill/>
+                    </a:lnB>
+                    <a:noFill/>
+                  </a:tcPr>
+                </a:tc>
+                <a:tc>
+                  <a:txBody>
+                    <a:bodyPr/>
+                    <a:lstStyle/>
+                    <a:p>
+                      <a:pPr algn="ctr" fontAlgn="b"/>
+                      <a:endParaRPr lang="en-GB" sz="2000" b="0" i="0" u="none" strike="noStrike" dirty="0">
+                        <a:solidFill>
+                          <a:srgbClr val="000000"/>
+                        </a:solidFill>
+                        <a:effectLst/>
+                        <a:latin typeface="Arial" panose="020B0604020202020204" pitchFamily="34" charset="0"/>
+                        <a:cs typeface="Arial" panose="020B0604020202020204" pitchFamily="34" charset="0"/>
+                      </a:endParaRPr>
+                    </a:p>
+                  </a:txBody>
+                  <a:tcPr marL="9525" marR="9525" marT="9525" marB="0" anchor="b">
+                    <a:lnL>
+                      <a:noFill/>
+                    </a:lnL>
+                    <a:lnR>
+                      <a:noFill/>
+                    </a:lnR>
+                    <a:lnT>
+                      <a:noFill/>
+                    </a:lnT>
+                    <a:lnB>
+                      <a:noFill/>
+                    </a:lnB>
+                    <a:noFill/>
+                  </a:tcPr>
+                </a:tc>
+                <a:tc>
+                  <a:txBody>
+                    <a:bodyPr/>
+                    <a:lstStyle/>
+                    <a:p>
+                      <a:pPr algn="ctr" fontAlgn="b"/>
+                      <a:endParaRPr lang="en-GB" sz="2000" b="0" i="0" u="none" strike="noStrike" dirty="0">
+                        <a:solidFill>
+                          <a:srgbClr val="000000"/>
+                        </a:solidFill>
+                        <a:effectLst/>
+                        <a:latin typeface="Arial" panose="020B0604020202020204" pitchFamily="34" charset="0"/>
+                        <a:cs typeface="Arial" panose="020B0604020202020204" pitchFamily="34" charset="0"/>
+                      </a:endParaRPr>
+                    </a:p>
+                  </a:txBody>
+                  <a:tcPr marL="9525" marR="9525" marT="9525" marB="0" anchor="b">
+                    <a:lnL>
+                      <a:noFill/>
+                    </a:lnL>
+                    <a:lnR>
+                      <a:noFill/>
+                    </a:lnR>
+                    <a:lnT>
+                      <a:noFill/>
+                    </a:lnT>
+                    <a:lnB>
+                      <a:noFill/>
+                    </a:lnB>
+                    <a:noFill/>
+                  </a:tcPr>
+                </a:tc>
+                <a:extLst>
+                  <a:ext uri="{0D108BD9-81ED-4DB2-BD59-A6C34878D82A}">
                     <a16:rowId xmlns:a16="http://schemas.microsoft.com/office/drawing/2014/main" val="703829988"/>
                   </a:ext>
                 </a:extLst>
@@ -7132,35 +6897,6 @@
           </a:graphicData>
         </a:graphic>
       </p:graphicFrame>
-      <p:pic>
-        <p:nvPicPr>
-          <p:cNvPr id="14" name="Picture 13">
-            <a:extLst>
-              <a:ext uri="{FF2B5EF4-FFF2-40B4-BE49-F238E27FC236}">
-                <a16:creationId xmlns:a16="http://schemas.microsoft.com/office/drawing/2014/main" id="{FDC1CFAD-68B7-9E9A-E7FE-2C8B9F1CB4A6}"/>
-              </a:ext>
-            </a:extLst>
-          </p:cNvPr>
-          <p:cNvPicPr>
-            <a:picLocks noChangeAspect="1"/>
-          </p:cNvPicPr>
-          <p:nvPr/>
-        </p:nvPicPr>
-        <p:blipFill>
-          <a:blip r:embed="rId2"/>
-          <a:srcRect t="581" r="1849" b="1071"/>
-          <a:stretch/>
-        </p:blipFill>
-        <p:spPr>
-          <a:xfrm>
-            <a:off x="5357611" y="19441"/>
-            <a:ext cx="6815138" cy="6828933"/>
-          </a:xfrm>
-          <a:prstGeom prst="rect">
-            <a:avLst/>
-          </a:prstGeom>
-        </p:spPr>
-      </p:pic>
       <p:sp>
         <p:nvSpPr>
           <p:cNvPr id="16" name="TextBox 15">
@@ -7175,8 +6911,8 @@
         </p:nvSpPr>
         <p:spPr>
           <a:xfrm>
-            <a:off x="2704699" y="2346645"/>
-            <a:ext cx="2758791" cy="1569660"/>
+            <a:off x="2607163" y="2346645"/>
+            <a:ext cx="2758791" cy="2308324"/>
           </a:xfrm>
           <a:prstGeom prst="rect">
             <a:avLst/>
@@ -7239,6 +6975,29 @@
               </a:rPr>
               <a:t>S1 Leadership</a:t>
             </a:r>
+          </a:p>
+          <a:p>
+            <a:pPr marL="342900" indent="-342900">
+              <a:buFont typeface="+mj-lt"/>
+              <a:buAutoNum type="arabicPeriod"/>
+            </a:pPr>
+            <a:r>
+              <a:rPr lang="en-IE" sz="1600" dirty="0">
+                <a:latin typeface="Arial" panose="020B0604020202020204" pitchFamily="34" charset="0"/>
+                <a:cs typeface="Arial" panose="020B0604020202020204" pitchFamily="34" charset="0"/>
+              </a:rPr>
+              <a:t>N1 Identify and support users’ needs</a:t>
+            </a:r>
+          </a:p>
+          <a:p>
+            <a:pPr marL="342900" indent="-342900">
+              <a:buFont typeface="+mj-lt"/>
+              <a:buAutoNum type="arabicPeriod"/>
+            </a:pPr>
+            <a:endParaRPr lang="en-IE" sz="1600" dirty="0">
+              <a:latin typeface="Arial" panose="020B0604020202020204" pitchFamily="34" charset="0"/>
+              <a:cs typeface="Arial" panose="020B0604020202020204" pitchFamily="34" charset="0"/>
+            </a:endParaRPr>
           </a:p>
         </p:txBody>
       </p:sp>
@@ -7256,8 +7015,8 @@
         </p:nvSpPr>
         <p:spPr>
           <a:xfrm>
-            <a:off x="2651760" y="4530762"/>
-            <a:ext cx="2811730" cy="2308324"/>
+            <a:off x="2545881" y="4843730"/>
+            <a:ext cx="2811730" cy="1815882"/>
           </a:xfrm>
           <a:prstGeom prst="rect">
             <a:avLst/>
@@ -7295,21 +7054,37 @@
               <a:t>H3 Make appropriate and efficient use of scripting &amp; programming languages</a:t>
             </a:r>
           </a:p>
-          <a:p>
-            <a:pPr marL="342900" indent="-342900">
-              <a:buFont typeface="+mj-lt"/>
-              <a:buAutoNum type="arabicPeriod"/>
-            </a:pPr>
-            <a:r>
-              <a:rPr lang="en-IE" sz="1600" dirty="0">
-                <a:latin typeface="Arial" panose="020B0604020202020204" pitchFamily="34" charset="0"/>
-                <a:cs typeface="Arial" panose="020B0604020202020204" pitchFamily="34" charset="0"/>
-              </a:rPr>
-              <a:t>N1 Identify and support users’ needs</a:t>
-            </a:r>
-          </a:p>
         </p:txBody>
       </p:sp>
+      <p:pic>
+        <p:nvPicPr>
+          <p:cNvPr id="3" name="Picture 2">
+            <a:extLst>
+              <a:ext uri="{FF2B5EF4-FFF2-40B4-BE49-F238E27FC236}">
+                <a16:creationId xmlns:a16="http://schemas.microsoft.com/office/drawing/2014/main" id="{3B8B5796-BAED-686D-EB8E-1EADDA821364}"/>
+              </a:ext>
+            </a:extLst>
+          </p:cNvPr>
+          <p:cNvPicPr>
+            <a:picLocks noChangeAspect="1"/>
+          </p:cNvPicPr>
+          <p:nvPr/>
+        </p:nvPicPr>
+        <p:blipFill>
+          <a:blip r:embed="rId2"/>
+          <a:srcRect l="345" t="1569" r="2311"/>
+          <a:stretch/>
+        </p:blipFill>
+        <p:spPr>
+          <a:xfrm>
+            <a:off x="5328343" y="0"/>
+            <a:ext cx="6842540" cy="6918960"/>
+          </a:xfrm>
+          <a:prstGeom prst="rect">
+            <a:avLst/>
+          </a:prstGeom>
+        </p:spPr>
+      </p:pic>
     </p:spTree>
     <p:extLst>
       <p:ext uri="{BB962C8B-B14F-4D97-AF65-F5344CB8AC3E}">
@@ -7417,7 +7192,7 @@
 </p:sld>
 </file>
 
-<file path=ppt/slides/slide6.xml><?xml version="1.0" encoding="utf-8"?>
+<file path=ppt/slides/slide5.xml><?xml version="1.0" encoding="utf-8"?>
 <p:sld xmlns:a="http://schemas.openxmlformats.org/drawingml/2006/main" xmlns:r="http://schemas.openxmlformats.org/officeDocument/2006/relationships" xmlns:p="http://schemas.openxmlformats.org/presentationml/2006/main">
   <p:cSld>
     <p:spTree>
@@ -7436,10 +7211,10 @@
       </p:grpSpPr>
       <p:pic>
         <p:nvPicPr>
-          <p:cNvPr id="15" name="Picture 14">
+          <p:cNvPr id="3" name="Picture 2">
             <a:extLst>
               <a:ext uri="{FF2B5EF4-FFF2-40B4-BE49-F238E27FC236}">
-                <a16:creationId xmlns:a16="http://schemas.microsoft.com/office/drawing/2014/main" id="{5739C8FC-0CCE-D9E6-E6DD-DF4612D24B7E}"/>
+                <a16:creationId xmlns:a16="http://schemas.microsoft.com/office/drawing/2014/main" id="{D62B0DBD-6852-FFF2-9B25-1546039543F1}"/>
               </a:ext>
             </a:extLst>
           </p:cNvPr>
@@ -7450,60 +7225,20 @@
         </p:nvPicPr>
         <p:blipFill>
           <a:blip r:embed="rId2"/>
-          <a:srcRect t="19682" r="5421" b="5920"/>
-          <a:stretch/>
+          <a:stretch>
+            <a:fillRect/>
+          </a:stretch>
         </p:blipFill>
         <p:spPr>
           <a:xfrm>
-            <a:off x="-48127" y="1376413"/>
-            <a:ext cx="12224259" cy="5494794"/>
+            <a:off x="0" y="-71044"/>
+            <a:ext cx="12899136" cy="7370935"/>
           </a:xfrm>
           <a:prstGeom prst="rect">
             <a:avLst/>
           </a:prstGeom>
         </p:spPr>
       </p:pic>
-      <p:sp>
-        <p:nvSpPr>
-          <p:cNvPr id="8" name="Content Placeholder 2">
-            <a:extLst>
-              <a:ext uri="{FF2B5EF4-FFF2-40B4-BE49-F238E27FC236}">
-                <a16:creationId xmlns:a16="http://schemas.microsoft.com/office/drawing/2014/main" id="{8E164FCF-A260-F595-851A-48E9FBF5567E}"/>
-              </a:ext>
-            </a:extLst>
-          </p:cNvPr>
-          <p:cNvSpPr>
-            <a:spLocks noGrp="1"/>
-          </p:cNvSpPr>
-          <p:nvPr>
-            <p:ph idx="1"/>
-          </p:nvPr>
-        </p:nvSpPr>
-        <p:spPr>
-          <a:xfrm>
-            <a:off x="128790" y="6452315"/>
-            <a:ext cx="5357610" cy="341292"/>
-          </a:xfrm>
-        </p:spPr>
-        <p:txBody>
-          <a:bodyPr>
-            <a:noAutofit/>
-          </a:bodyPr>
-          <a:lstStyle/>
-          <a:p>
-            <a:pPr marL="0" indent="0">
-              <a:buNone/>
-            </a:pPr>
-            <a:r>
-              <a:rPr lang="en-IE" sz="2300" dirty="0">
-                <a:latin typeface="Arial" panose="020B0604020202020204" pitchFamily="34" charset="0"/>
-                <a:cs typeface="Arial" panose="020B0604020202020204" pitchFamily="34" charset="0"/>
-              </a:rPr>
-              <a:t>Visualises correlations</a:t>
-            </a:r>
-          </a:p>
-        </p:txBody>
-      </p:sp>
       <p:sp>
         <p:nvSpPr>
           <p:cNvPr id="9" name="Title 1">
@@ -7544,120 +7279,6 @@
       </p:sp>
       <p:sp>
         <p:nvSpPr>
-          <p:cNvPr id="11" name="Doughnut 10">
-            <a:extLst>
-              <a:ext uri="{FF2B5EF4-FFF2-40B4-BE49-F238E27FC236}">
-                <a16:creationId xmlns:a16="http://schemas.microsoft.com/office/drawing/2014/main" id="{2547DD1C-7C5C-0C83-3DBE-1EF1B05317D7}"/>
-              </a:ext>
-            </a:extLst>
-          </p:cNvPr>
-          <p:cNvSpPr/>
-          <p:nvPr/>
-        </p:nvSpPr>
-        <p:spPr>
-          <a:xfrm rot="20635021">
-            <a:off x="1488730" y="1404250"/>
-            <a:ext cx="3464085" cy="3105064"/>
-          </a:xfrm>
-          <a:prstGeom prst="donut">
-            <a:avLst>
-              <a:gd name="adj" fmla="val 2291"/>
-            </a:avLst>
-          </a:prstGeom>
-          <a:solidFill>
-            <a:schemeClr val="accent1">
-              <a:alpha val="16000"/>
-            </a:schemeClr>
-          </a:solidFill>
-        </p:spPr>
-        <p:style>
-          <a:lnRef idx="2">
-            <a:schemeClr val="accent1">
-              <a:shade val="15000"/>
-            </a:schemeClr>
-          </a:lnRef>
-          <a:fillRef idx="1">
-            <a:schemeClr val="accent1"/>
-          </a:fillRef>
-          <a:effectRef idx="0">
-            <a:schemeClr val="accent1"/>
-          </a:effectRef>
-          <a:fontRef idx="minor">
-            <a:schemeClr val="lt1"/>
-          </a:fontRef>
-        </p:style>
-        <p:txBody>
-          <a:bodyPr rtlCol="0" anchor="ctr"/>
-          <a:lstStyle/>
-          <a:p>
-            <a:pPr algn="ctr"/>
-            <a:endParaRPr lang="en-IE">
-              <a:solidFill>
-                <a:schemeClr val="tx1"/>
-              </a:solidFill>
-            </a:endParaRPr>
-          </a:p>
-        </p:txBody>
-      </p:sp>
-      <p:sp>
-        <p:nvSpPr>
-          <p:cNvPr id="13" name="Doughnut 12">
-            <a:extLst>
-              <a:ext uri="{FF2B5EF4-FFF2-40B4-BE49-F238E27FC236}">
-                <a16:creationId xmlns:a16="http://schemas.microsoft.com/office/drawing/2014/main" id="{F22A0806-1C17-750A-1109-5CA31AEFAB7E}"/>
-              </a:ext>
-            </a:extLst>
-          </p:cNvPr>
-          <p:cNvSpPr/>
-          <p:nvPr/>
-        </p:nvSpPr>
-        <p:spPr>
-          <a:xfrm rot="5400000">
-            <a:off x="4757889" y="4177487"/>
-            <a:ext cx="1630596" cy="1045625"/>
-          </a:xfrm>
-          <a:prstGeom prst="donut">
-            <a:avLst>
-              <a:gd name="adj" fmla="val 5418"/>
-            </a:avLst>
-          </a:prstGeom>
-          <a:solidFill>
-            <a:schemeClr val="accent1">
-              <a:alpha val="9000"/>
-            </a:schemeClr>
-          </a:solidFill>
-        </p:spPr>
-        <p:style>
-          <a:lnRef idx="2">
-            <a:schemeClr val="accent1">
-              <a:shade val="15000"/>
-            </a:schemeClr>
-          </a:lnRef>
-          <a:fillRef idx="1">
-            <a:schemeClr val="accent1"/>
-          </a:fillRef>
-          <a:effectRef idx="0">
-            <a:schemeClr val="accent1"/>
-          </a:effectRef>
-          <a:fontRef idx="minor">
-            <a:schemeClr val="lt1"/>
-          </a:fontRef>
-        </p:style>
-        <p:txBody>
-          <a:bodyPr rtlCol="0" anchor="ctr"/>
-          <a:lstStyle/>
-          <a:p>
-            <a:pPr algn="ctr"/>
-            <a:endParaRPr lang="en-IE">
-              <a:solidFill>
-                <a:schemeClr val="tx1"/>
-              </a:solidFill>
-            </a:endParaRPr>
-          </a:p>
-        </p:txBody>
-      </p:sp>
-      <p:sp>
-        <p:nvSpPr>
           <p:cNvPr id="16" name="Content Placeholder 2">
             <a:extLst>
               <a:ext uri="{FF2B5EF4-FFF2-40B4-BE49-F238E27FC236}">
@@ -7672,7 +7293,7 @@
         </p:nvSpPr>
         <p:spPr>
           <a:xfrm>
-            <a:off x="6014989" y="5014007"/>
+            <a:off x="5845971" y="4568342"/>
             <a:ext cx="2008472" cy="341292"/>
           </a:xfrm>
           <a:prstGeom prst="rect">
@@ -8070,63 +7691,6 @@
       </p:sp>
       <p:sp>
         <p:nvSpPr>
-          <p:cNvPr id="18" name="Doughnut 17">
-            <a:extLst>
-              <a:ext uri="{FF2B5EF4-FFF2-40B4-BE49-F238E27FC236}">
-                <a16:creationId xmlns:a16="http://schemas.microsoft.com/office/drawing/2014/main" id="{47E0C6F0-917A-C477-68C2-ACD3E4051E82}"/>
-              </a:ext>
-            </a:extLst>
-          </p:cNvPr>
-          <p:cNvSpPr/>
-          <p:nvPr/>
-        </p:nvSpPr>
-        <p:spPr>
-          <a:xfrm rot="175816">
-            <a:off x="4529528" y="1312118"/>
-            <a:ext cx="1816978" cy="771291"/>
-          </a:xfrm>
-          <a:prstGeom prst="donut">
-            <a:avLst>
-              <a:gd name="adj" fmla="val 5418"/>
-            </a:avLst>
-          </a:prstGeom>
-          <a:solidFill>
-            <a:schemeClr val="accent1">
-              <a:alpha val="17000"/>
-            </a:schemeClr>
-          </a:solidFill>
-        </p:spPr>
-        <p:style>
-          <a:lnRef idx="2">
-            <a:schemeClr val="accent1">
-              <a:shade val="15000"/>
-            </a:schemeClr>
-          </a:lnRef>
-          <a:fillRef idx="1">
-            <a:schemeClr val="accent1"/>
-          </a:fillRef>
-          <a:effectRef idx="0">
-            <a:schemeClr val="accent1"/>
-          </a:effectRef>
-          <a:fontRef idx="minor">
-            <a:schemeClr val="lt1"/>
-          </a:fontRef>
-        </p:style>
-        <p:txBody>
-          <a:bodyPr rtlCol="0" anchor="ctr"/>
-          <a:lstStyle/>
-          <a:p>
-            <a:pPr algn="ctr"/>
-            <a:endParaRPr lang="en-IE">
-              <a:solidFill>
-                <a:schemeClr val="tx1"/>
-              </a:solidFill>
-            </a:endParaRPr>
-          </a:p>
-        </p:txBody>
-      </p:sp>
-      <p:sp>
-        <p:nvSpPr>
           <p:cNvPr id="19" name="Content Placeholder 2">
             <a:extLst>
               <a:ext uri="{FF2B5EF4-FFF2-40B4-BE49-F238E27FC236}">
@@ -8141,7 +7705,7 @@
         </p:nvSpPr>
         <p:spPr>
           <a:xfrm>
-            <a:off x="4672717" y="943541"/>
+            <a:off x="4629198" y="1882576"/>
             <a:ext cx="2346508" cy="341292"/>
           </a:xfrm>
           <a:prstGeom prst="rect">
@@ -8333,63 +7897,6 @@
       </p:sp>
       <p:sp>
         <p:nvSpPr>
-          <p:cNvPr id="20" name="Doughnut 19">
-            <a:extLst>
-              <a:ext uri="{FF2B5EF4-FFF2-40B4-BE49-F238E27FC236}">
-                <a16:creationId xmlns:a16="http://schemas.microsoft.com/office/drawing/2014/main" id="{11D0AA5E-6A2F-3966-9DD5-B995B0C137E7}"/>
-              </a:ext>
-            </a:extLst>
-          </p:cNvPr>
-          <p:cNvSpPr/>
-          <p:nvPr/>
-        </p:nvSpPr>
-        <p:spPr>
-          <a:xfrm rot="991971">
-            <a:off x="5795830" y="1734589"/>
-            <a:ext cx="4334503" cy="2015366"/>
-          </a:xfrm>
-          <a:prstGeom prst="donut">
-            <a:avLst>
-              <a:gd name="adj" fmla="val 2938"/>
-            </a:avLst>
-          </a:prstGeom>
-          <a:solidFill>
-            <a:schemeClr val="accent1">
-              <a:alpha val="16000"/>
-            </a:schemeClr>
-          </a:solidFill>
-        </p:spPr>
-        <p:style>
-          <a:lnRef idx="2">
-            <a:schemeClr val="accent1">
-              <a:shade val="15000"/>
-            </a:schemeClr>
-          </a:lnRef>
-          <a:fillRef idx="1">
-            <a:schemeClr val="accent1"/>
-          </a:fillRef>
-          <a:effectRef idx="0">
-            <a:schemeClr val="accent1"/>
-          </a:effectRef>
-          <a:fontRef idx="minor">
-            <a:schemeClr val="lt1"/>
-          </a:fontRef>
-        </p:style>
-        <p:txBody>
-          <a:bodyPr rtlCol="0" anchor="ctr"/>
-          <a:lstStyle/>
-          <a:p>
-            <a:pPr algn="ctr"/>
-            <a:endParaRPr lang="en-IE">
-              <a:solidFill>
-                <a:schemeClr val="tx1"/>
-              </a:solidFill>
-            </a:endParaRPr>
-          </a:p>
-        </p:txBody>
-      </p:sp>
-      <p:sp>
-        <p:nvSpPr>
           <p:cNvPr id="21" name="Content Placeholder 2">
             <a:extLst>
               <a:ext uri="{FF2B5EF4-FFF2-40B4-BE49-F238E27FC236}">
@@ -8404,7 +7911,7 @@
         </p:nvSpPr>
         <p:spPr>
           <a:xfrm>
-            <a:off x="7599379" y="3235762"/>
+            <a:off x="7562803" y="2172682"/>
             <a:ext cx="2346508" cy="193238"/>
           </a:xfrm>
           <a:prstGeom prst="rect">
@@ -8638,7 +8145,7 @@
                                           </p:stCondLst>
                                         </p:cTn>
                                         <p:tgtEl>
-                                          <p:spTgt spid="8">
+                                          <p:spTgt spid="16">
                                             <p:txEl>
                                               <p:pRg st="0" end="0"/>
                                             </p:txEl>
@@ -8656,7 +8163,7 @@
                                       <p:cBhvr>
                                         <p:cTn id="7" dur="500"/>
                                         <p:tgtEl>
-                                          <p:spTgt spid="8">
+                                          <p:spTgt spid="16">
                                             <p:txEl>
                                               <p:pRg st="0" end="0"/>
                                             </p:txEl>
@@ -8699,7 +8206,7 @@
                                           </p:stCondLst>
                                         </p:cTn>
                                         <p:tgtEl>
-                                          <p:spTgt spid="16">
+                                          <p:spTgt spid="17">
                                             <p:txEl>
                                               <p:pRg st="0" end="0"/>
                                             </p:txEl>
@@ -8717,7 +8224,7 @@
                                       <p:cBhvr>
                                         <p:cTn id="12" dur="500"/>
                                         <p:tgtEl>
-                                          <p:spTgt spid="16">
+                                          <p:spTgt spid="17">
                                             <p:txEl>
                                               <p:pRg st="0" end="0"/>
                                             </p:txEl>
@@ -8760,7 +8267,7 @@
                                           </p:stCondLst>
                                         </p:cTn>
                                         <p:tgtEl>
-                                          <p:spTgt spid="17">
+                                          <p:spTgt spid="19">
                                             <p:txEl>
                                               <p:pRg st="0" end="0"/>
                                             </p:txEl>
@@ -8778,7 +8285,7 @@
                                       <p:cBhvr>
                                         <p:cTn id="17" dur="500"/>
                                         <p:tgtEl>
-                                          <p:spTgt spid="17">
+                                          <p:spTgt spid="19">
                                             <p:txEl>
                                               <p:pRg st="0" end="0"/>
                                             </p:txEl>
@@ -8821,7 +8328,7 @@
                                           </p:stCondLst>
                                         </p:cTn>
                                         <p:tgtEl>
-                                          <p:spTgt spid="19">
+                                          <p:spTgt spid="21">
                                             <p:txEl>
                                               <p:pRg st="0" end="0"/>
                                             </p:txEl>
@@ -8838,67 +8345,6 @@
                                     <p:animEffect transition="in" filter="dissolve">
                                       <p:cBhvr>
                                         <p:cTn id="22" dur="500"/>
-                                        <p:tgtEl>
-                                          <p:spTgt spid="19">
-                                            <p:txEl>
-                                              <p:pRg st="0" end="0"/>
-                                            </p:txEl>
-                                          </p:spTgt>
-                                        </p:tgtEl>
-                                      </p:cBhvr>
-                                    </p:animEffect>
-                                  </p:childTnLst>
-                                </p:cTn>
-                              </p:par>
-                            </p:childTnLst>
-                          </p:cTn>
-                        </p:par>
-                      </p:childTnLst>
-                    </p:cTn>
-                  </p:par>
-                  <p:par>
-                    <p:cTn id="23" fill="hold">
-                      <p:stCondLst>
-                        <p:cond delay="indefinite"/>
-                      </p:stCondLst>
-                      <p:childTnLst>
-                        <p:par>
-                          <p:cTn id="24" fill="hold">
-                            <p:stCondLst>
-                              <p:cond delay="0"/>
-                            </p:stCondLst>
-                            <p:childTnLst>
-                              <p:par>
-                                <p:cTn id="25" presetID="9" presetClass="entr" presetSubtype="0" fill="hold" grpId="0" nodeType="clickEffect">
-                                  <p:stCondLst>
-                                    <p:cond delay="0"/>
-                                  </p:stCondLst>
-                                  <p:childTnLst>
-                                    <p:set>
-                                      <p:cBhvr>
-                                        <p:cTn id="26" dur="1" fill="hold">
-                                          <p:stCondLst>
-                                            <p:cond delay="0"/>
-                                          </p:stCondLst>
-                                        </p:cTn>
-                                        <p:tgtEl>
-                                          <p:spTgt spid="21">
-                                            <p:txEl>
-                                              <p:pRg st="0" end="0"/>
-                                            </p:txEl>
-                                          </p:spTgt>
-                                        </p:tgtEl>
-                                        <p:attrNameLst>
-                                          <p:attrName>style.visibility</p:attrName>
-                                        </p:attrNameLst>
-                                      </p:cBhvr>
-                                      <p:to>
-                                        <p:strVal val="visible"/>
-                                      </p:to>
-                                    </p:set>
-                                    <p:animEffect transition="in" filter="dissolve">
-                                      <p:cBhvr>
-                                        <p:cTn id="27" dur="500"/>
                                         <p:tgtEl>
                                           <p:spTgt spid="21">
                                             <p:txEl>
@@ -8939,7 +8385,6 @@
       </p:par>
     </p:tnLst>
     <p:bldLst>
-      <p:bldP spid="8" grpId="0" build="p"/>
       <p:bldP spid="16" grpId="0" build="p"/>
       <p:bldP spid="17" grpId="0" build="p"/>
       <p:bldP spid="19" grpId="0" build="p"/>
